--- a/doc/问题陈述.pptx
+++ b/doc/问题陈述.pptx
@@ -7834,7 +7834,7 @@
               <a:buNone/>
             </a:pPr>
             <a:r>
-              <a:rPr lang="zh-CN" altLang="en-US" sz="1600" b="1" dirty="0">
+              <a:rPr lang="zh-CN" altLang="en-US" sz="1600" dirty="0">
                 <a:solidFill>
                   <a:schemeClr val="tx1">
                     <a:lumMod val="75000"/>
@@ -7847,7 +7847,7 @@
               <a:t>对于每个文献或者学者单独在数据库中生成一个表，在用户</a:t>
             </a:r>
             <a:r>
-              <a:rPr lang="en-US" altLang="zh-CN" sz="1600" b="1" dirty="0">
+              <a:rPr lang="en-US" altLang="zh-CN" sz="1600" dirty="0">
                 <a:solidFill>
                   <a:schemeClr val="tx1">
                     <a:lumMod val="75000"/>
@@ -7860,7 +7860,7 @@
               <a:t>/</a:t>
             </a:r>
             <a:r>
-              <a:rPr lang="zh-CN" altLang="en-US" sz="1600" b="1" dirty="0">
+              <a:rPr lang="zh-CN" altLang="en-US" sz="1600" dirty="0">
                 <a:solidFill>
                   <a:schemeClr val="tx1">
                     <a:lumMod val="75000"/>
@@ -7873,7 +7873,7 @@
               <a:t>游客通过关键词进行搜索时提供学者主页或者文献主页的链接，用户</a:t>
             </a:r>
             <a:r>
-              <a:rPr lang="en-US" altLang="zh-CN" sz="1600" b="1" dirty="0">
+              <a:rPr lang="en-US" altLang="zh-CN" sz="1600" dirty="0">
                 <a:solidFill>
                   <a:schemeClr val="tx1">
                     <a:lumMod val="75000"/>
@@ -7886,7 +7886,7 @@
               <a:t>/</a:t>
             </a:r>
             <a:r>
-              <a:rPr lang="zh-CN" altLang="en-US" sz="1600" b="1" dirty="0">
+              <a:rPr lang="zh-CN" altLang="en-US" sz="1600" dirty="0">
                 <a:solidFill>
                   <a:schemeClr val="tx1">
                     <a:lumMod val="75000"/>
@@ -7899,7 +7899,7 @@
               <a:t>游客可以通过链接了解资料文献或者学者的相关</a:t>
             </a:r>
             <a:r>
-              <a:rPr lang="zh-CN" altLang="en-US" sz="1600" b="1" dirty="0">
+              <a:rPr lang="zh-CN" altLang="en-US" sz="1600" dirty="0">
                 <a:solidFill>
                   <a:schemeClr val="tx1">
                     <a:lumMod val="75000"/>
@@ -7911,7 +7911,7 @@
               </a:rPr>
               <a:t>信息。</a:t>
             </a:r>
-            <a:endParaRPr lang="zh-CN" altLang="en-US" sz="1600" b="1" dirty="0">
+            <a:endParaRPr lang="zh-CN" altLang="en-US" sz="1600" dirty="0">
               <a:solidFill>
                 <a:schemeClr val="tx1">
                   <a:lumMod val="75000"/>
@@ -7926,7 +7926,7 @@
       </p:sp>
       <p:pic>
         <p:nvPicPr>
-          <p:cNvPr id="12" name="图片 11" descr="2939ce76f95fa9e9d7f674a12ef1048"/>
+          <p:cNvPr id="3" name="图片 2" descr="主页 流程图 "/>
           <p:cNvPicPr>
             <a:picLocks noChangeAspect="1"/>
           </p:cNvPicPr>
@@ -7940,17 +7940,68 @@
         </p:blipFill>
         <p:spPr>
           <a:xfrm>
-            <a:off x="6235700" y="588645"/>
-            <a:ext cx="5055870" cy="5537835"/>
+            <a:off x="5904865" y="407670"/>
+            <a:ext cx="5556250" cy="5838190"/>
           </a:xfrm>
           <a:prstGeom prst="rect">
             <a:avLst/>
           </a:prstGeom>
         </p:spPr>
       </p:pic>
+      <p:sp>
+        <p:nvSpPr>
+          <p:cNvPr id="9" name="矩形 8"/>
+          <p:cNvSpPr/>
+          <p:nvPr>
+            <p:custDataLst>
+              <p:tags r:id="rId5"/>
+            </p:custDataLst>
+          </p:nvPr>
+        </p:nvSpPr>
+        <p:spPr>
+          <a:xfrm>
+            <a:off x="853439" y="1737172"/>
+            <a:ext cx="298450" cy="298450"/>
+          </a:xfrm>
+          <a:prstGeom prst="rect">
+            <a:avLst/>
+          </a:prstGeom>
+          <a:solidFill>
+            <a:srgbClr val="2C608B"/>
+          </a:solidFill>
+          <a:ln>
+            <a:noFill/>
+          </a:ln>
+          <a:effectLst/>
+        </p:spPr>
+        <p:style>
+          <a:lnRef idx="2">
+            <a:schemeClr val="accent1">
+              <a:shade val="50000"/>
+            </a:schemeClr>
+          </a:lnRef>
+          <a:fillRef idx="1">
+            <a:schemeClr val="accent1"/>
+          </a:fillRef>
+          <a:effectRef idx="0">
+            <a:schemeClr val="accent1"/>
+          </a:effectRef>
+          <a:fontRef idx="minor">
+            <a:schemeClr val="lt1"/>
+          </a:fontRef>
+        </p:style>
+        <p:txBody>
+          <a:bodyPr rtlCol="0" anchor="ctr"/>
+          <a:lstStyle/>
+          <a:p>
+            <a:pPr algn="ctr"/>
+            <a:endParaRPr lang="zh-CN" altLang="en-US"/>
+          </a:p>
+        </p:txBody>
+      </p:sp>
     </p:spTree>
     <p:custDataLst>
-      <p:tags r:id="rId5"/>
+      <p:tags r:id="rId6"/>
     </p:custDataLst>
   </p:cSld>
   <p:clrMapOvr>
@@ -8176,7 +8227,7 @@
               <a:buNone/>
             </a:pPr>
             <a:r>
-              <a:rPr lang="zh-CN" altLang="en-US" sz="1600" b="1" dirty="0">
+              <a:rPr lang="zh-CN" altLang="en-US" sz="1600" dirty="0">
                 <a:solidFill>
                   <a:schemeClr val="tx1">
                     <a:lumMod val="75000"/>
@@ -8189,7 +8240,7 @@
               <a:t>对于各个文献或者资料的各项数据，包括数量、被引次数、发布日期等进行统计，并在用户</a:t>
             </a:r>
             <a:r>
-              <a:rPr lang="en-US" altLang="zh-CN" sz="1600" b="1" dirty="0">
+              <a:rPr lang="en-US" altLang="zh-CN" sz="1600" dirty="0">
                 <a:solidFill>
                   <a:schemeClr val="tx1">
                     <a:lumMod val="75000"/>
@@ -8202,7 +8253,7 @@
               <a:t>/</a:t>
             </a:r>
             <a:r>
-              <a:rPr lang="zh-CN" altLang="en-US" sz="1600" b="1" dirty="0">
+              <a:rPr lang="zh-CN" altLang="en-US" sz="1600" dirty="0">
                 <a:solidFill>
                   <a:schemeClr val="tx1">
                     <a:lumMod val="75000"/>
@@ -8215,7 +8266,7 @@
               <a:t>游客需要时生成可视化的表或图，给予用户更加直观的数据分析</a:t>
             </a:r>
             <a:r>
-              <a:rPr lang="zh-CN" altLang="en-US" sz="1600" b="1" dirty="0">
+              <a:rPr lang="zh-CN" altLang="en-US" sz="1600" dirty="0">
                 <a:solidFill>
                   <a:schemeClr val="tx1">
                     <a:lumMod val="75000"/>
@@ -8227,7 +8278,7 @@
               </a:rPr>
               <a:t>结果。</a:t>
             </a:r>
-            <a:endParaRPr lang="zh-CN" altLang="en-US" sz="1600" b="1" dirty="0">
+            <a:endParaRPr lang="zh-CN" altLang="en-US" sz="1600" dirty="0">
               <a:solidFill>
                 <a:schemeClr val="tx1">
                   <a:lumMod val="75000"/>
@@ -8242,7 +8293,7 @@
       </p:sp>
       <p:pic>
         <p:nvPicPr>
-          <p:cNvPr id="12" name="图片 11" descr="2939ce76f95fa9e9d7f674a12ef1048"/>
+          <p:cNvPr id="3" name="图片 2" descr="分析可视化 流程图"/>
           <p:cNvPicPr>
             <a:picLocks noChangeAspect="1"/>
           </p:cNvPicPr>
@@ -8256,17 +8307,68 @@
         </p:blipFill>
         <p:spPr>
           <a:xfrm>
-            <a:off x="6235700" y="588645"/>
-            <a:ext cx="5055870" cy="5537835"/>
+            <a:off x="6373495" y="532130"/>
+            <a:ext cx="5123815" cy="5616575"/>
           </a:xfrm>
           <a:prstGeom prst="rect">
             <a:avLst/>
           </a:prstGeom>
         </p:spPr>
       </p:pic>
+      <p:sp>
+        <p:nvSpPr>
+          <p:cNvPr id="9" name="矩形 8"/>
+          <p:cNvSpPr/>
+          <p:nvPr>
+            <p:custDataLst>
+              <p:tags r:id="rId5"/>
+            </p:custDataLst>
+          </p:nvPr>
+        </p:nvSpPr>
+        <p:spPr>
+          <a:xfrm>
+            <a:off x="905509" y="1737172"/>
+            <a:ext cx="298450" cy="298450"/>
+          </a:xfrm>
+          <a:prstGeom prst="rect">
+            <a:avLst/>
+          </a:prstGeom>
+          <a:solidFill>
+            <a:srgbClr val="2C608B"/>
+          </a:solidFill>
+          <a:ln>
+            <a:noFill/>
+          </a:ln>
+          <a:effectLst/>
+        </p:spPr>
+        <p:style>
+          <a:lnRef idx="2">
+            <a:schemeClr val="accent1">
+              <a:shade val="50000"/>
+            </a:schemeClr>
+          </a:lnRef>
+          <a:fillRef idx="1">
+            <a:schemeClr val="accent1"/>
+          </a:fillRef>
+          <a:effectRef idx="0">
+            <a:schemeClr val="accent1"/>
+          </a:effectRef>
+          <a:fontRef idx="minor">
+            <a:schemeClr val="lt1"/>
+          </a:fontRef>
+        </p:style>
+        <p:txBody>
+          <a:bodyPr rtlCol="0" anchor="ctr"/>
+          <a:lstStyle/>
+          <a:p>
+            <a:pPr algn="ctr"/>
+            <a:endParaRPr lang="zh-CN" altLang="en-US"/>
+          </a:p>
+        </p:txBody>
+      </p:sp>
     </p:spTree>
     <p:custDataLst>
-      <p:tags r:id="rId5"/>
+      <p:tags r:id="rId6"/>
     </p:custDataLst>
   </p:cSld>
   <p:clrMapOvr>
@@ -8504,7 +8606,7 @@
               <a:buNone/>
             </a:pPr>
             <a:r>
-              <a:rPr lang="zh-CN" altLang="en-US" sz="1600" b="1" dirty="0">
+              <a:rPr lang="zh-CN" altLang="en-US" sz="1600" dirty="0">
                 <a:solidFill>
                   <a:schemeClr val="tx1">
                     <a:lumMod val="75000"/>
@@ -8517,7 +8619,7 @@
               <a:t>在注册时将每个不同的用户名及其密码存入数据库，在登录的时候检测输入的用户名和密码是否匹配，登录成功后进入用户</a:t>
             </a:r>
             <a:r>
-              <a:rPr lang="zh-CN" altLang="en-US" sz="1600" b="1" dirty="0">
+              <a:rPr lang="zh-CN" altLang="en-US" sz="1600" dirty="0">
                 <a:solidFill>
                   <a:schemeClr val="tx1">
                     <a:lumMod val="75000"/>
@@ -8529,7 +8631,7 @@
               </a:rPr>
               <a:t>模式。</a:t>
             </a:r>
-            <a:endParaRPr lang="zh-CN" altLang="en-US" sz="1600" b="1" dirty="0">
+            <a:endParaRPr lang="zh-CN" altLang="en-US" sz="1600" dirty="0">
               <a:solidFill>
                 <a:schemeClr val="tx1">
                   <a:lumMod val="75000"/>
@@ -8544,7 +8646,7 @@
       </p:sp>
       <p:pic>
         <p:nvPicPr>
-          <p:cNvPr id="12" name="图片 11" descr="2939ce76f95fa9e9d7f674a12ef1048"/>
+          <p:cNvPr id="3" name="图片 2" descr="注册登录 流程图"/>
           <p:cNvPicPr>
             <a:picLocks noChangeAspect="1"/>
           </p:cNvPicPr>
@@ -8558,17 +8660,68 @@
         </p:blipFill>
         <p:spPr>
           <a:xfrm>
-            <a:off x="6235700" y="588645"/>
-            <a:ext cx="5055870" cy="5537835"/>
+            <a:off x="6096000" y="686435"/>
+            <a:ext cx="5333365" cy="5268595"/>
           </a:xfrm>
           <a:prstGeom prst="rect">
             <a:avLst/>
           </a:prstGeom>
         </p:spPr>
       </p:pic>
+      <p:sp>
+        <p:nvSpPr>
+          <p:cNvPr id="9" name="矩形 8"/>
+          <p:cNvSpPr/>
+          <p:nvPr>
+            <p:custDataLst>
+              <p:tags r:id="rId5"/>
+            </p:custDataLst>
+          </p:nvPr>
+        </p:nvSpPr>
+        <p:spPr>
+          <a:xfrm>
+            <a:off x="905509" y="1737172"/>
+            <a:ext cx="298450" cy="298450"/>
+          </a:xfrm>
+          <a:prstGeom prst="rect">
+            <a:avLst/>
+          </a:prstGeom>
+          <a:solidFill>
+            <a:srgbClr val="2C608B"/>
+          </a:solidFill>
+          <a:ln>
+            <a:noFill/>
+          </a:ln>
+          <a:effectLst/>
+        </p:spPr>
+        <p:style>
+          <a:lnRef idx="2">
+            <a:schemeClr val="accent1">
+              <a:shade val="50000"/>
+            </a:schemeClr>
+          </a:lnRef>
+          <a:fillRef idx="1">
+            <a:schemeClr val="accent1"/>
+          </a:fillRef>
+          <a:effectRef idx="0">
+            <a:schemeClr val="accent1"/>
+          </a:effectRef>
+          <a:fontRef idx="minor">
+            <a:schemeClr val="lt1"/>
+          </a:fontRef>
+        </p:style>
+        <p:txBody>
+          <a:bodyPr rtlCol="0" anchor="ctr"/>
+          <a:lstStyle/>
+          <a:p>
+            <a:pPr algn="ctr"/>
+            <a:endParaRPr lang="zh-CN" altLang="en-US"/>
+          </a:p>
+        </p:txBody>
+      </p:sp>
     </p:spTree>
     <p:custDataLst>
-      <p:tags r:id="rId5"/>
+      <p:tags r:id="rId6"/>
     </p:custDataLst>
   </p:cSld>
   <p:clrMapOvr>
@@ -8806,7 +8959,7 @@
               <a:buNone/>
             </a:pPr>
             <a:r>
-              <a:rPr lang="zh-CN" altLang="en-US" sz="1600" b="1" dirty="0">
+              <a:rPr lang="zh-CN" altLang="en-US" sz="1600" dirty="0">
                 <a:solidFill>
                   <a:schemeClr val="tx1">
                     <a:lumMod val="75000"/>
@@ -8819,7 +8972,7 @@
               <a:t>用户可以对于搜索后结果中的文献主页</a:t>
             </a:r>
             <a:r>
-              <a:rPr lang="en-US" altLang="zh-CN" sz="1600" b="1" dirty="0">
+              <a:rPr lang="en-US" altLang="zh-CN" sz="1600" dirty="0">
                 <a:solidFill>
                   <a:schemeClr val="tx1">
                     <a:lumMod val="75000"/>
@@ -8832,7 +8985,7 @@
               <a:t>/</a:t>
             </a:r>
             <a:r>
-              <a:rPr lang="zh-CN" altLang="en-US" sz="1600" b="1" dirty="0">
+              <a:rPr lang="zh-CN" altLang="en-US" sz="1600" dirty="0">
                 <a:solidFill>
                   <a:schemeClr val="tx1">
                     <a:lumMod val="75000"/>
@@ -8845,7 +8998,7 @@
               <a:t>学者主页进行收藏，方便下一次的登录时</a:t>
             </a:r>
             <a:r>
-              <a:rPr lang="zh-CN" altLang="en-US" sz="1600" b="1" dirty="0">
+              <a:rPr lang="zh-CN" altLang="en-US" sz="1600" dirty="0">
                 <a:solidFill>
                   <a:schemeClr val="tx1">
                     <a:lumMod val="75000"/>
@@ -8857,7 +9010,7 @@
               </a:rPr>
               <a:t>继续浏览。</a:t>
             </a:r>
-            <a:endParaRPr lang="zh-CN" altLang="en-US" sz="1600" b="1" dirty="0">
+            <a:endParaRPr lang="zh-CN" altLang="en-US" sz="1600" dirty="0">
               <a:solidFill>
                 <a:schemeClr val="tx1">
                   <a:lumMod val="75000"/>
@@ -8872,7 +9025,7 @@
       </p:sp>
       <p:pic>
         <p:nvPicPr>
-          <p:cNvPr id="12" name="图片 11" descr="2939ce76f95fa9e9d7f674a12ef1048"/>
+          <p:cNvPr id="3" name="图片 2" descr="收藏 流程图 "/>
           <p:cNvPicPr>
             <a:picLocks noChangeAspect="1"/>
           </p:cNvPicPr>
@@ -8886,17 +9039,68 @@
         </p:blipFill>
         <p:spPr>
           <a:xfrm>
-            <a:off x="6235700" y="588645"/>
-            <a:ext cx="5055870" cy="5537835"/>
+            <a:off x="5891530" y="600075"/>
+            <a:ext cx="5201285" cy="5484495"/>
           </a:xfrm>
           <a:prstGeom prst="rect">
             <a:avLst/>
           </a:prstGeom>
         </p:spPr>
       </p:pic>
+      <p:sp>
+        <p:nvSpPr>
+          <p:cNvPr id="9" name="矩形 8"/>
+          <p:cNvSpPr/>
+          <p:nvPr>
+            <p:custDataLst>
+              <p:tags r:id="rId5"/>
+            </p:custDataLst>
+          </p:nvPr>
+        </p:nvSpPr>
+        <p:spPr>
+          <a:xfrm>
+            <a:off x="905509" y="1737172"/>
+            <a:ext cx="298450" cy="298450"/>
+          </a:xfrm>
+          <a:prstGeom prst="rect">
+            <a:avLst/>
+          </a:prstGeom>
+          <a:solidFill>
+            <a:srgbClr val="2C608B"/>
+          </a:solidFill>
+          <a:ln>
+            <a:noFill/>
+          </a:ln>
+          <a:effectLst/>
+        </p:spPr>
+        <p:style>
+          <a:lnRef idx="2">
+            <a:schemeClr val="accent1">
+              <a:shade val="50000"/>
+            </a:schemeClr>
+          </a:lnRef>
+          <a:fillRef idx="1">
+            <a:schemeClr val="accent1"/>
+          </a:fillRef>
+          <a:effectRef idx="0">
+            <a:schemeClr val="accent1"/>
+          </a:effectRef>
+          <a:fontRef idx="minor">
+            <a:schemeClr val="lt1"/>
+          </a:fontRef>
+        </p:style>
+        <p:txBody>
+          <a:bodyPr rtlCol="0" anchor="ctr"/>
+          <a:lstStyle/>
+          <a:p>
+            <a:pPr algn="ctr"/>
+            <a:endParaRPr lang="zh-CN" altLang="en-US"/>
+          </a:p>
+        </p:txBody>
+      </p:sp>
     </p:spTree>
     <p:custDataLst>
-      <p:tags r:id="rId5"/>
+      <p:tags r:id="rId6"/>
     </p:custDataLst>
   </p:cSld>
   <p:clrMapOvr>
@@ -10197,7 +10401,7 @@
         <p:spPr>
           <a:xfrm>
             <a:off x="2566670" y="3590925"/>
-            <a:ext cx="5855970" cy="398780"/>
+            <a:ext cx="6252845" cy="398780"/>
           </a:xfrm>
           <a:prstGeom prst="rect">
             <a:avLst/>
@@ -10214,14 +10418,14 @@
                 <a:latin typeface="宋体" panose="02010600030101010101" pitchFamily="2" charset="-122"/>
                 <a:ea typeface="宋体" panose="02010600030101010101" pitchFamily="2" charset="-122"/>
               </a:rPr>
-              <a:t>根据关键词检索各类文章</a:t>
+              <a:t>根据关键词检索各类文献、作者</a:t>
             </a:r>
             <a:r>
               <a:rPr lang="zh-CN" altLang="en-US" sz="2000">
                 <a:latin typeface="宋体" panose="02010600030101010101" pitchFamily="2" charset="-122"/>
                 <a:ea typeface="宋体" panose="02010600030101010101" pitchFamily="2" charset="-122"/>
               </a:rPr>
-              <a:t>、论文，供用户查询</a:t>
+              <a:t>等信息，供用户查询</a:t>
             </a:r>
             <a:endParaRPr lang="zh-CN" altLang="en-US" sz="2000">
               <a:latin typeface="宋体" panose="02010600030101010101" pitchFamily="2" charset="-122"/>
@@ -10306,7 +10510,14 @@
                 <a:latin typeface="宋体" panose="02010600030101010101" pitchFamily="2" charset="-122"/>
                 <a:ea typeface="宋体" panose="02010600030101010101" pitchFamily="2" charset="-122"/>
               </a:rPr>
-              <a:t>对于发表不同论文的各个学者生成个人主页</a:t>
+              <a:t>生成学者个人主页和文献</a:t>
+            </a:r>
+            <a:r>
+              <a:rPr lang="zh-CN" altLang="en-US" sz="2000">
+                <a:latin typeface="宋体" panose="02010600030101010101" pitchFamily="2" charset="-122"/>
+                <a:ea typeface="宋体" panose="02010600030101010101" pitchFamily="2" charset="-122"/>
+              </a:rPr>
+              <a:t>主页</a:t>
             </a:r>
             <a:endParaRPr lang="zh-CN" altLang="en-US" sz="2000">
               <a:latin typeface="宋体" panose="02010600030101010101" pitchFamily="2" charset="-122"/>
@@ -10373,7 +10584,7 @@
         </p:nvSpPr>
         <p:spPr>
           <a:xfrm>
-            <a:off x="2605405" y="4645660"/>
+            <a:off x="2605405" y="4699000"/>
             <a:ext cx="4533265" cy="398780"/>
           </a:xfrm>
           <a:prstGeom prst="rect">
@@ -10502,7 +10713,7 @@
         </p:nvSpPr>
         <p:spPr>
           <a:xfrm>
-            <a:off x="1910079" y="5949762"/>
+            <a:off x="1910079" y="5883722"/>
             <a:ext cx="298450" cy="298450"/>
           </a:xfrm>
           <a:prstGeom prst="rect">
@@ -10548,7 +10759,7 @@
         </p:nvSpPr>
         <p:spPr>
           <a:xfrm>
-            <a:off x="2605405" y="5873115"/>
+            <a:off x="2605405" y="5807075"/>
             <a:ext cx="4380230" cy="398780"/>
           </a:xfrm>
           <a:prstGeom prst="rect">
@@ -10566,7 +10777,14 @@
                 <a:latin typeface="宋体" panose="02010600030101010101" pitchFamily="2" charset="-122"/>
                 <a:ea typeface="宋体" panose="02010600030101010101" pitchFamily="2" charset="-122"/>
               </a:rPr>
-              <a:t>登录用户的论文收藏和作者关注</a:t>
+              <a:t>收藏论文，关注</a:t>
+            </a:r>
+            <a:r>
+              <a:rPr lang="zh-CN" altLang="en-US" sz="2000">
+                <a:latin typeface="宋体" panose="02010600030101010101" pitchFamily="2" charset="-122"/>
+                <a:ea typeface="宋体" panose="02010600030101010101" pitchFamily="2" charset="-122"/>
+              </a:rPr>
+              <a:t>作者</a:t>
             </a:r>
             <a:endParaRPr lang="zh-CN" altLang="en-US" sz="2000">
               <a:latin typeface="宋体" panose="02010600030101010101" pitchFamily="2" charset="-122"/>
@@ -11192,8 +11410,8 @@
         </p:blipFill>
         <p:spPr>
           <a:xfrm>
-            <a:off x="422910" y="1322070"/>
-            <a:ext cx="4554220" cy="5153025"/>
+            <a:off x="704215" y="1001395"/>
+            <a:ext cx="4263390" cy="5386070"/>
           </a:xfrm>
           <a:prstGeom prst="rect">
             <a:avLst/>
@@ -12031,7 +12249,7 @@
                 <a:latin typeface="思源黑体 CN Normal" charset="-122"/>
                 <a:ea typeface="思源黑体 CN Normal" charset="-122"/>
               </a:rPr>
-              <a:t>性能高，用户</a:t>
+              <a:t>高</a:t>
             </a:r>
             <a:r>
               <a:rPr lang="zh-CN" altLang="en-US" sz="2000" dirty="0">
@@ -12042,7 +12260,7 @@
                 <a:latin typeface="思源黑体 CN Normal" charset="-122"/>
                 <a:ea typeface="思源黑体 CN Normal" charset="-122"/>
               </a:rPr>
-              <a:t>体验好</a:t>
+              <a:t>性能</a:t>
             </a:r>
             <a:endParaRPr lang="zh-CN" altLang="en-US" sz="2000" dirty="0">
               <a:solidFill>
@@ -12244,7 +12462,35 @@
                 <a:ea typeface="宋体" panose="02010600030101010101" pitchFamily="2" charset="-122"/>
                 <a:sym typeface="+mn-ea"/>
               </a:rPr>
-              <a:t>端、数据库、爬虫使用Flask、MongoDB和Scrapy，可以在整个项目中保持Python的一致性，减少了技术栈的复杂性，同时可以利用Python丰富的生态系统和社区支持，</a:t>
+              <a:t>端、数据库、爬虫使用Flask、</a:t>
+            </a:r>
+            <a:r>
+              <a:rPr lang="en-US" altLang="zh-CN" sz="1200" b="1" dirty="0">
+                <a:solidFill>
+                  <a:schemeClr val="tx1">
+                    <a:lumMod val="65000"/>
+                    <a:lumOff val="35000"/>
+                  </a:schemeClr>
+                </a:solidFill>
+                <a:latin typeface="宋体" panose="02010600030101010101" pitchFamily="2" charset="-122"/>
+                <a:ea typeface="宋体" panose="02010600030101010101" pitchFamily="2" charset="-122"/>
+                <a:sym typeface="+mn-ea"/>
+              </a:rPr>
+              <a:t>Py</a:t>
+            </a:r>
+            <a:r>
+              <a:rPr lang="zh-CN" sz="1200" b="1" dirty="0">
+                <a:solidFill>
+                  <a:schemeClr val="tx1">
+                    <a:lumMod val="65000"/>
+                    <a:lumOff val="35000"/>
+                  </a:schemeClr>
+                </a:solidFill>
+                <a:latin typeface="宋体" panose="02010600030101010101" pitchFamily="2" charset="-122"/>
+                <a:ea typeface="宋体" panose="02010600030101010101" pitchFamily="2" charset="-122"/>
+                <a:sym typeface="+mn-ea"/>
+              </a:rPr>
+              <a:t>Mongo和Scrapy，可以在整个项目中保持Python的一致性，减少了技术栈的复杂性，同时可以利用Python丰富的生态系统和社区支持，</a:t>
             </a:r>
             <a:r>
               <a:rPr lang="zh-CN" sz="1200" b="1" dirty="0">
@@ -12312,40 +12558,7 @@
                 <a:latin typeface="思源黑体 CN Normal" charset="-122"/>
                 <a:ea typeface="思源黑体 CN Normal" charset="-122"/>
               </a:rPr>
-              <a:t>后端统一采用</a:t>
-            </a:r>
-            <a:r>
-              <a:rPr lang="en-US" altLang="zh-CN" sz="2000" dirty="0">
-                <a:solidFill>
-                  <a:srgbClr val="2C608B"/>
-                </a:solidFill>
-                <a:effectLst/>
-                <a:latin typeface="思源黑体 CN Normal" charset="-122"/>
-                <a:ea typeface="思源黑体 CN Normal" charset="-122"/>
-              </a:rPr>
-              <a:t>Python</a:t>
-            </a:r>
-            <a:r>
-              <a:rPr lang="zh-CN" altLang="en-US" sz="2000" dirty="0">
-                <a:solidFill>
-                  <a:srgbClr val="2C608B"/>
-                </a:solidFill>
-                <a:effectLst/>
-                <a:latin typeface="思源黑体 CN Normal" charset="-122"/>
-                <a:ea typeface="思源黑体 CN Normal" charset="-122"/>
-              </a:rPr>
-              <a:t>，具有</a:t>
-            </a:r>
-            <a:r>
-              <a:rPr lang="zh-CN" altLang="en-US" sz="2000" dirty="0">
-                <a:solidFill>
-                  <a:srgbClr val="2C608B"/>
-                </a:solidFill>
-                <a:effectLst/>
-                <a:latin typeface="思源黑体 CN Normal" charset="-122"/>
-                <a:ea typeface="思源黑体 CN Normal" charset="-122"/>
-              </a:rPr>
-              <a:t>一致性</a:t>
+              <a:t>框架一致性</a:t>
             </a:r>
             <a:endParaRPr lang="zh-CN" altLang="en-US" sz="2000" dirty="0">
               <a:solidFill>
@@ -12370,7 +12583,7 @@
         </p:nvSpPr>
         <p:spPr>
           <a:xfrm>
-            <a:off x="6802755" y="1496695"/>
+            <a:off x="6063615" y="1588135"/>
             <a:ext cx="3156585" cy="398780"/>
           </a:xfrm>
           <a:prstGeom prst="rect">
@@ -12395,7 +12608,7 @@
                 <a:latin typeface="思源黑体 CN Normal" charset="-122"/>
                 <a:ea typeface="思源黑体 CN Normal" charset="-122"/>
               </a:rPr>
-              <a:t>强大的数据分析和可视化</a:t>
+              <a:t>数据分析和可视化</a:t>
             </a:r>
             <a:endParaRPr lang="zh-CN" altLang="en-US" sz="2000" dirty="0">
               <a:solidFill>
@@ -13776,7 +13989,7 @@
               <a:buNone/>
             </a:pPr>
             <a:r>
-              <a:rPr lang="zh-CN" altLang="en-US" sz="1600" b="1" dirty="0">
+              <a:rPr lang="zh-CN" altLang="en-US" sz="1600" dirty="0">
                 <a:solidFill>
                   <a:schemeClr val="tx1">
                     <a:lumMod val="75000"/>
@@ -13789,7 +14002,7 @@
               <a:t>用户</a:t>
             </a:r>
             <a:r>
-              <a:rPr lang="en-US" altLang="zh-CN" sz="1600" b="1" dirty="0">
+              <a:rPr lang="en-US" altLang="zh-CN" sz="1600" dirty="0">
                 <a:solidFill>
                   <a:schemeClr val="tx1">
                     <a:lumMod val="75000"/>
@@ -13802,7 +14015,7 @@
               <a:t>/</a:t>
             </a:r>
             <a:r>
-              <a:rPr lang="zh-CN" altLang="en-US" sz="1600" b="1" dirty="0">
+              <a:rPr lang="zh-CN" altLang="en-US" sz="1600" dirty="0">
                 <a:solidFill>
                   <a:schemeClr val="tx1">
                     <a:lumMod val="75000"/>
@@ -13815,7 +14028,7 @@
               <a:t>游客在</a:t>
             </a:r>
             <a:r>
-              <a:rPr lang="en-US" altLang="zh-CN" sz="1600" b="1" dirty="0">
+              <a:rPr lang="en-US" altLang="zh-CN" sz="1600" dirty="0">
                 <a:solidFill>
                   <a:schemeClr val="tx1">
                     <a:lumMod val="75000"/>
@@ -13828,7 +14041,7 @@
               <a:t>Web</a:t>
             </a:r>
             <a:r>
-              <a:rPr lang="zh-CN" altLang="en-US" sz="1600" b="1" dirty="0">
+              <a:rPr lang="zh-CN" altLang="en-US" sz="1600" dirty="0">
                 <a:solidFill>
                   <a:schemeClr val="tx1">
                     <a:lumMod val="75000"/>
@@ -13841,7 +14054,7 @@
               <a:t>前端输入关键词后，</a:t>
             </a:r>
             <a:r>
-              <a:rPr lang="en-US" altLang="zh-CN" sz="1600" b="1" dirty="0">
+              <a:rPr lang="en-US" altLang="zh-CN" sz="1600" dirty="0">
                 <a:solidFill>
                   <a:schemeClr val="tx1">
                     <a:lumMod val="75000"/>
@@ -13854,7 +14067,7 @@
               <a:t>Web</a:t>
             </a:r>
             <a:r>
-              <a:rPr lang="zh-CN" altLang="en-US" sz="1600" b="1" dirty="0">
+              <a:rPr lang="zh-CN" altLang="en-US" sz="1600" dirty="0">
                 <a:solidFill>
                   <a:schemeClr val="tx1">
                     <a:lumMod val="75000"/>
@@ -13867,7 +14080,7 @@
               <a:t>前端将关键词传到后端，后端通过</a:t>
             </a:r>
             <a:r>
-              <a:rPr lang="en-US" altLang="zh-CN" sz="1600" b="1" dirty="0">
+              <a:rPr lang="en-US" altLang="zh-CN" sz="1600" dirty="0">
                 <a:solidFill>
                   <a:schemeClr val="tx1">
                     <a:lumMod val="75000"/>
@@ -13880,7 +14093,7 @@
               <a:t>Pymongo</a:t>
             </a:r>
             <a:r>
-              <a:rPr lang="zh-CN" altLang="en-US" sz="1600" b="1" dirty="0">
+              <a:rPr lang="zh-CN" altLang="en-US" sz="1600" dirty="0">
                 <a:solidFill>
                   <a:schemeClr val="tx1">
                     <a:lumMod val="75000"/>
@@ -13893,7 +14106,7 @@
               <a:t>与</a:t>
             </a:r>
             <a:r>
-              <a:rPr lang="en-US" altLang="zh-CN" sz="1600" b="1" dirty="0">
+              <a:rPr lang="en-US" altLang="zh-CN" sz="1600" dirty="0">
                 <a:solidFill>
                   <a:schemeClr val="tx1">
                     <a:lumMod val="75000"/>
@@ -13906,7 +14119,7 @@
               <a:t>MongoDB</a:t>
             </a:r>
             <a:r>
-              <a:rPr lang="zh-CN" altLang="en-US" sz="1600" b="1" dirty="0">
+              <a:rPr lang="zh-CN" altLang="en-US" sz="1600" dirty="0">
                 <a:solidFill>
                   <a:schemeClr val="tx1">
                     <a:lumMod val="75000"/>
@@ -13919,7 +14132,7 @@
               <a:t>交互后，将查询到的结果以</a:t>
             </a:r>
             <a:r>
-              <a:rPr lang="en-US" altLang="zh-CN" sz="1600" b="1" dirty="0">
+              <a:rPr lang="en-US" altLang="zh-CN" sz="1600" dirty="0">
                 <a:solidFill>
                   <a:schemeClr val="tx1">
                     <a:lumMod val="75000"/>
@@ -13932,7 +14145,7 @@
               <a:t>json</a:t>
             </a:r>
             <a:r>
-              <a:rPr lang="zh-CN" altLang="en-US" sz="1600" b="1" dirty="0">
+              <a:rPr lang="zh-CN" altLang="en-US" sz="1600" dirty="0">
                 <a:solidFill>
                   <a:schemeClr val="tx1">
                     <a:lumMod val="75000"/>
@@ -13945,7 +14158,7 @@
               <a:t>文件的形式传回，后端对于数据进行一定处理后传输回到前端，</a:t>
             </a:r>
             <a:r>
-              <a:rPr lang="en-US" altLang="zh-CN" sz="1600" b="1" dirty="0">
+              <a:rPr lang="en-US" altLang="zh-CN" sz="1600" dirty="0">
                 <a:solidFill>
                   <a:schemeClr val="tx1">
                     <a:lumMod val="75000"/>
@@ -13958,7 +14171,7 @@
               <a:t>Vue</a:t>
             </a:r>
             <a:r>
-              <a:rPr lang="zh-CN" altLang="en-US" sz="1600" b="1" dirty="0">
+              <a:rPr lang="zh-CN" altLang="en-US" sz="1600" dirty="0">
                 <a:solidFill>
                   <a:schemeClr val="tx1">
                     <a:lumMod val="75000"/>
@@ -13971,7 +14184,7 @@
               <a:t>前端通过实时渲染在</a:t>
             </a:r>
             <a:r>
-              <a:rPr lang="en-US" altLang="zh-CN" sz="1600" b="1" dirty="0">
+              <a:rPr lang="en-US" altLang="zh-CN" sz="1600" dirty="0">
                 <a:solidFill>
                   <a:schemeClr val="tx1">
                     <a:lumMod val="75000"/>
@@ -13984,7 +14197,7 @@
               <a:t>Web</a:t>
             </a:r>
             <a:r>
-              <a:rPr lang="zh-CN" altLang="en-US" sz="1600" b="1" dirty="0">
+              <a:rPr lang="zh-CN" altLang="en-US" sz="1600" dirty="0">
                 <a:solidFill>
                   <a:schemeClr val="tx1">
                     <a:lumMod val="75000"/>
@@ -13996,7 +14209,7 @@
               </a:rPr>
               <a:t>上显示查询结果。</a:t>
             </a:r>
-            <a:endParaRPr lang="zh-CN" altLang="en-US" sz="1600" b="1" dirty="0">
+            <a:endParaRPr lang="zh-CN" altLang="en-US" sz="1600" dirty="0">
               <a:solidFill>
                 <a:schemeClr val="tx1">
                   <a:lumMod val="75000"/>
@@ -14033,9 +14246,59 @@
           </a:prstGeom>
         </p:spPr>
       </p:pic>
+      <p:sp>
+        <p:nvSpPr>
+          <p:cNvPr id="9" name="矩形 8"/>
+          <p:cNvSpPr/>
+          <p:nvPr>
+            <p:custDataLst>
+              <p:tags r:id="rId5"/>
+            </p:custDataLst>
+          </p:nvPr>
+        </p:nvSpPr>
+        <p:spPr>
+          <a:xfrm>
+            <a:off x="905509" y="1742252"/>
+            <a:ext cx="298450" cy="298450"/>
+          </a:xfrm>
+          <a:prstGeom prst="rect">
+            <a:avLst/>
+          </a:prstGeom>
+          <a:solidFill>
+            <a:srgbClr val="2C608B"/>
+          </a:solidFill>
+          <a:ln>
+            <a:noFill/>
+          </a:ln>
+          <a:effectLst/>
+        </p:spPr>
+        <p:style>
+          <a:lnRef idx="2">
+            <a:schemeClr val="accent1">
+              <a:shade val="50000"/>
+            </a:schemeClr>
+          </a:lnRef>
+          <a:fillRef idx="1">
+            <a:schemeClr val="accent1"/>
+          </a:fillRef>
+          <a:effectRef idx="0">
+            <a:schemeClr val="accent1"/>
+          </a:effectRef>
+          <a:fontRef idx="minor">
+            <a:schemeClr val="lt1"/>
+          </a:fontRef>
+        </p:style>
+        <p:txBody>
+          <a:bodyPr rtlCol="0" anchor="ctr"/>
+          <a:p>
+            <a:pPr algn="ctr"/>
+            <a:endParaRPr lang="zh-CN" altLang="en-US"/>
+          </a:p>
+        </p:txBody>
+      </p:sp>
     </p:spTree>
     <p:custDataLst>
-      <p:tags r:id="rId5"/>
+      <p:tags r:id="rId6"/>
     </p:custDataLst>
   </p:cSld>
   <p:clrMapOvr>
@@ -14397,9 +14660,7 @@
 
 <file path=ppt/tags/tag59.xml><?xml version="1.0" encoding="utf-8"?>
 <p:tagLst xmlns:p="http://schemas.openxmlformats.org/presentationml/2006/main">
-  <p:tag name="KSO_WM_BEAUTIFY_FLAG" val="#wm#"/>
-  <p:tag name="KSO_WM_TEMPLATE_CATEGORY" val="custom"/>
-  <p:tag name="KSO_WM_TEMPLATE_INDEX" val="20205081"/>
+  <p:tag name="KSO_WM_BEAUTIFY_FLAG" val=""/>
 </p:tagLst>
 </file>
 
@@ -14411,7 +14672,9 @@
 
 <file path=ppt/tags/tag60.xml><?xml version="1.0" encoding="utf-8"?>
 <p:tagLst xmlns:p="http://schemas.openxmlformats.org/presentationml/2006/main">
-  <p:tag name="KSO_WM_BEAUTIFY_FLAG" val=""/>
+  <p:tag name="KSO_WM_BEAUTIFY_FLAG" val="#wm#"/>
+  <p:tag name="KSO_WM_TEMPLATE_CATEGORY" val="custom"/>
+  <p:tag name="KSO_WM_TEMPLATE_INDEX" val="20205081"/>
 </p:tagLst>
 </file>
 
@@ -14429,9 +14692,7 @@
 
 <file path=ppt/tags/tag63.xml><?xml version="1.0" encoding="utf-8"?>
 <p:tagLst xmlns:p="http://schemas.openxmlformats.org/presentationml/2006/main">
-  <p:tag name="KSO_WM_BEAUTIFY_FLAG" val="#wm#"/>
-  <p:tag name="KSO_WM_TEMPLATE_CATEGORY" val="custom"/>
-  <p:tag name="KSO_WM_TEMPLATE_INDEX" val="20205081"/>
+  <p:tag name="KSO_WM_BEAUTIFY_FLAG" val=""/>
 </p:tagLst>
 </file>
 
@@ -14443,7 +14704,9 @@
 
 <file path=ppt/tags/tag65.xml><?xml version="1.0" encoding="utf-8"?>
 <p:tagLst xmlns:p="http://schemas.openxmlformats.org/presentationml/2006/main">
-  <p:tag name="KSO_WM_BEAUTIFY_FLAG" val=""/>
+  <p:tag name="KSO_WM_BEAUTIFY_FLAG" val="#wm#"/>
+  <p:tag name="KSO_WM_TEMPLATE_CATEGORY" val="custom"/>
+  <p:tag name="KSO_WM_TEMPLATE_INDEX" val="20205081"/>
 </p:tagLst>
 </file>
 
@@ -14455,9 +14718,7 @@
 
 <file path=ppt/tags/tag67.xml><?xml version="1.0" encoding="utf-8"?>
 <p:tagLst xmlns:p="http://schemas.openxmlformats.org/presentationml/2006/main">
-  <p:tag name="KSO_WM_BEAUTIFY_FLAG" val="#wm#"/>
-  <p:tag name="KSO_WM_TEMPLATE_CATEGORY" val="custom"/>
-  <p:tag name="KSO_WM_TEMPLATE_INDEX" val="20205081"/>
+  <p:tag name="KSO_WM_BEAUTIFY_FLAG" val=""/>
 </p:tagLst>
 </file>
 
@@ -14481,15 +14742,15 @@
 
 <file path=ppt/tags/tag70.xml><?xml version="1.0" encoding="utf-8"?>
 <p:tagLst xmlns:p="http://schemas.openxmlformats.org/presentationml/2006/main">
-  <p:tag name="KSO_WM_BEAUTIFY_FLAG" val=""/>
+  <p:tag name="KSO_WM_BEAUTIFY_FLAG" val="#wm#"/>
+  <p:tag name="KSO_WM_TEMPLATE_CATEGORY" val="custom"/>
+  <p:tag name="KSO_WM_TEMPLATE_INDEX" val="20205081"/>
 </p:tagLst>
 </file>
 
 <file path=ppt/tags/tag71.xml><?xml version="1.0" encoding="utf-8"?>
 <p:tagLst xmlns:p="http://schemas.openxmlformats.org/presentationml/2006/main">
-  <p:tag name="KSO_WM_BEAUTIFY_FLAG" val="#wm#"/>
-  <p:tag name="KSO_WM_TEMPLATE_CATEGORY" val="custom"/>
-  <p:tag name="KSO_WM_TEMPLATE_INDEX" val="20205081"/>
+  <p:tag name="KSO_WM_BEAUTIFY_FLAG" val=""/>
 </p:tagLst>
 </file>
 
@@ -14521,7 +14782,25 @@
 
 <file path=ppt/tags/tag76.xml><?xml version="1.0" encoding="utf-8"?>
 <p:tagLst xmlns:p="http://schemas.openxmlformats.org/presentationml/2006/main">
-  <p:tag name="COMMONDATA" val="eyJoZGlkIjoiZTMxNTVhYjEzYjYyMWEwZmFjZDg1ZTJiMDUyNzRiYzgifQ=="/>
+  <p:tag name="KSO_WM_BEAUTIFY_FLAG" val=""/>
+</p:tagLst>
+</file>
+
+<file path=ppt/tags/tag77.xml><?xml version="1.0" encoding="utf-8"?>
+<p:tagLst xmlns:p="http://schemas.openxmlformats.org/presentationml/2006/main">
+  <p:tag name="KSO_WM_BEAUTIFY_FLAG" val=""/>
+</p:tagLst>
+</file>
+
+<file path=ppt/tags/tag78.xml><?xml version="1.0" encoding="utf-8"?>
+<p:tagLst xmlns:p="http://schemas.openxmlformats.org/presentationml/2006/main">
+  <p:tag name="KSO_WM_BEAUTIFY_FLAG" val=""/>
+</p:tagLst>
+</file>
+
+<file path=ppt/tags/tag79.xml><?xml version="1.0" encoding="utf-8"?>
+<p:tagLst xmlns:p="http://schemas.openxmlformats.org/presentationml/2006/main">
+  <p:tag name="KSO_WM_BEAUTIFY_FLAG" val=""/>
 </p:tagLst>
 </file>
 
@@ -14530,6 +14809,20 @@
   <p:tag name="KSO_WM_BEAUTIFY_FLAG" val="#wm#"/>
   <p:tag name="KSO_WM_TEMPLATE_CATEGORY" val="custom"/>
   <p:tag name="KSO_WM_TEMPLATE_INDEX" val="20205081"/>
+</p:tagLst>
+</file>
+
+<file path=ppt/tags/tag80.xml><?xml version="1.0" encoding="utf-8"?>
+<p:tagLst xmlns:p="http://schemas.openxmlformats.org/presentationml/2006/main">
+  <p:tag name="KSO_WM_BEAUTIFY_FLAG" val="#wm#"/>
+  <p:tag name="KSO_WM_TEMPLATE_CATEGORY" val="custom"/>
+  <p:tag name="KSO_WM_TEMPLATE_INDEX" val="20205081"/>
+</p:tagLst>
+</file>
+
+<file path=ppt/tags/tag81.xml><?xml version="1.0" encoding="utf-8"?>
+<p:tagLst xmlns:p="http://schemas.openxmlformats.org/presentationml/2006/main">
+  <p:tag name="COMMONDATA" val="eyJoZGlkIjoiZTMxNTVhYjEzYjYyMWEwZmFjZDg1ZTJiMDUyNzRiYzgifQ=="/>
 </p:tagLst>
 </file>
 

--- a/doc/问题陈述.pptx
+++ b/doc/问题陈述.pptx
@@ -18,12 +18,13 @@
     <p:sldId id="461" r:id="rId13"/>
     <p:sldId id="462" r:id="rId14"/>
     <p:sldId id="463" r:id="rId15"/>
-    <p:sldId id="464" r:id="rId16"/>
+    <p:sldId id="472" r:id="rId16"/>
+    <p:sldId id="464" r:id="rId17"/>
   </p:sldIdLst>
   <p:sldSz cx="12192000" cy="6858000"/>
   <p:notesSz cx="6858000" cy="9144000"/>
   <p:custDataLst>
-    <p:tags r:id="rId20"/>
+    <p:tags r:id="rId21"/>
   </p:custDataLst>
   <p:defaultTextStyle>
     <a:defPPr>
@@ -7844,10 +7845,10 @@
                 <a:latin typeface="思源黑体 CN ExtraLight" charset="-122"/>
                 <a:ea typeface="思源黑体 CN ExtraLight" charset="-122"/>
               </a:rPr>
-              <a:t>对于每个文献或者学者单独在数据库中生成一个表，在用户</a:t>
-            </a:r>
-            <a:r>
-              <a:rPr lang="en-US" altLang="zh-CN" sz="1600" dirty="0">
+              <a:t>作为用户，我想通过搜索出的结果，找到相关文献或者论文作者的主页，以便了解和</a:t>
+            </a:r>
+            <a:r>
+              <a:rPr lang="zh-CN" altLang="en-US" sz="1600" dirty="0">
                 <a:solidFill>
                   <a:schemeClr val="tx1">
                     <a:lumMod val="75000"/>
@@ -7857,59 +7858,7 @@
                 <a:latin typeface="思源黑体 CN ExtraLight" charset="-122"/>
                 <a:ea typeface="思源黑体 CN ExtraLight" charset="-122"/>
               </a:rPr>
-              <a:t>/</a:t>
-            </a:r>
-            <a:r>
-              <a:rPr lang="zh-CN" altLang="en-US" sz="1600" dirty="0">
-                <a:solidFill>
-                  <a:schemeClr val="tx1">
-                    <a:lumMod val="75000"/>
-                    <a:lumOff val="25000"/>
-                  </a:schemeClr>
-                </a:solidFill>
-                <a:latin typeface="思源黑体 CN ExtraLight" charset="-122"/>
-                <a:ea typeface="思源黑体 CN ExtraLight" charset="-122"/>
-              </a:rPr>
-              <a:t>游客通过关键词进行搜索时提供学者主页或者文献主页的链接，用户</a:t>
-            </a:r>
-            <a:r>
-              <a:rPr lang="en-US" altLang="zh-CN" sz="1600" dirty="0">
-                <a:solidFill>
-                  <a:schemeClr val="tx1">
-                    <a:lumMod val="75000"/>
-                    <a:lumOff val="25000"/>
-                  </a:schemeClr>
-                </a:solidFill>
-                <a:latin typeface="思源黑体 CN ExtraLight" charset="-122"/>
-                <a:ea typeface="思源黑体 CN ExtraLight" charset="-122"/>
-              </a:rPr>
-              <a:t>/</a:t>
-            </a:r>
-            <a:r>
-              <a:rPr lang="zh-CN" altLang="en-US" sz="1600" dirty="0">
-                <a:solidFill>
-                  <a:schemeClr val="tx1">
-                    <a:lumMod val="75000"/>
-                    <a:lumOff val="25000"/>
-                  </a:schemeClr>
-                </a:solidFill>
-                <a:latin typeface="思源黑体 CN ExtraLight" charset="-122"/>
-                <a:ea typeface="思源黑体 CN ExtraLight" charset="-122"/>
-              </a:rPr>
-              <a:t>游客可以通过链接了解资料文献或者学者的相关</a:t>
-            </a:r>
-            <a:r>
-              <a:rPr lang="zh-CN" altLang="en-US" sz="1600" dirty="0">
-                <a:solidFill>
-                  <a:schemeClr val="tx1">
-                    <a:lumMod val="75000"/>
-                    <a:lumOff val="25000"/>
-                  </a:schemeClr>
-                </a:solidFill>
-                <a:latin typeface="思源黑体 CN ExtraLight" charset="-122"/>
-                <a:ea typeface="思源黑体 CN ExtraLight" charset="-122"/>
-              </a:rPr>
-              <a:t>信息。</a:t>
+              <a:t>学习更多的信息。</a:t>
             </a:r>
             <a:endParaRPr lang="zh-CN" altLang="en-US" sz="1600" dirty="0">
               <a:solidFill>
@@ -8237,48 +8186,9 @@
                 <a:latin typeface="思源黑体 CN ExtraLight" charset="-122"/>
                 <a:ea typeface="思源黑体 CN ExtraLight" charset="-122"/>
               </a:rPr>
-              <a:t>对于各个文献或者资料的各项数据，包括数量、被引次数、发布日期等进行统计，并在用户</a:t>
-            </a:r>
-            <a:r>
-              <a:rPr lang="en-US" altLang="zh-CN" sz="1600" dirty="0">
-                <a:solidFill>
-                  <a:schemeClr val="tx1">
-                    <a:lumMod val="75000"/>
-                    <a:lumOff val="25000"/>
-                  </a:schemeClr>
-                </a:solidFill>
-                <a:latin typeface="思源黑体 CN ExtraLight" charset="-122"/>
-                <a:ea typeface="思源黑体 CN ExtraLight" charset="-122"/>
-              </a:rPr>
-              <a:t>/</a:t>
-            </a:r>
-            <a:r>
-              <a:rPr lang="zh-CN" altLang="en-US" sz="1600" dirty="0">
-                <a:solidFill>
-                  <a:schemeClr val="tx1">
-                    <a:lumMod val="75000"/>
-                    <a:lumOff val="25000"/>
-                  </a:schemeClr>
-                </a:solidFill>
-                <a:latin typeface="思源黑体 CN ExtraLight" charset="-122"/>
-                <a:ea typeface="思源黑体 CN ExtraLight" charset="-122"/>
-              </a:rPr>
-              <a:t>游客需要时生成可视化的表或图，给予用户更加直观的数据分析</a:t>
-            </a:r>
-            <a:r>
-              <a:rPr lang="zh-CN" altLang="en-US" sz="1600" dirty="0">
-                <a:solidFill>
-                  <a:schemeClr val="tx1">
-                    <a:lumMod val="75000"/>
-                    <a:lumOff val="25000"/>
-                  </a:schemeClr>
-                </a:solidFill>
-                <a:latin typeface="思源黑体 CN ExtraLight" charset="-122"/>
-                <a:ea typeface="思源黑体 CN ExtraLight" charset="-122"/>
-              </a:rPr>
-              <a:t>结果。</a:t>
-            </a:r>
-            <a:endParaRPr lang="zh-CN" altLang="en-US" sz="1600" dirty="0">
+              <a:t>作为用户，我想对于查找到的文献进行可视化的详细分析，以便于对于各个文献的各方面数据有一个直观的认识，方便自己对文献的判断。</a:t>
+            </a:r>
+            <a:endParaRPr lang="en-US" altLang="zh-CN" sz="1600" dirty="0">
               <a:solidFill>
                 <a:schemeClr val="tx1">
                   <a:lumMod val="75000"/>
@@ -8435,31 +8345,7 @@
                 <a:cs typeface="方正清刻本悦宋简体" charset="-122"/>
                 <a:sym typeface="微软雅黑" panose="020B0503020204020204" pitchFamily="34" charset="-122"/>
               </a:rPr>
-              <a:t>用户登录</a:t>
-            </a:r>
-            <a:r>
-              <a:rPr lang="en-US" altLang="zh-CN" sz="2800" kern="0" dirty="0">
-                <a:solidFill>
-                  <a:srgbClr val="2C608B"/>
-                </a:solidFill>
-                <a:latin typeface="思源黑体 CN Normal" charset="-122"/>
-                <a:ea typeface="思源黑体 CN Normal" charset="-122"/>
-                <a:cs typeface="方正清刻本悦宋简体" charset="-122"/>
-                <a:sym typeface="微软雅黑" panose="020B0503020204020204" pitchFamily="34" charset="-122"/>
-              </a:rPr>
-              <a:t>/</a:t>
-            </a:r>
-            <a:r>
-              <a:rPr lang="zh-CN" altLang="en-US" sz="2800" kern="0" dirty="0">
-                <a:solidFill>
-                  <a:srgbClr val="2C608B"/>
-                </a:solidFill>
-                <a:latin typeface="思源黑体 CN Normal" charset="-122"/>
-                <a:ea typeface="思源黑体 CN Normal" charset="-122"/>
-                <a:cs typeface="方正清刻本悦宋简体" charset="-122"/>
-                <a:sym typeface="微软雅黑" panose="020B0503020204020204" pitchFamily="34" charset="-122"/>
-              </a:rPr>
-              <a:t>注册</a:t>
+              <a:t>用户注册</a:t>
             </a:r>
             <a:endParaRPr lang="zh-CN" altLang="en-US" sz="2800" kern="0" dirty="0">
               <a:solidFill>
@@ -8616,7 +8502,7 @@
                 <a:latin typeface="思源黑体 CN ExtraLight" charset="-122"/>
                 <a:ea typeface="思源黑体 CN ExtraLight" charset="-122"/>
               </a:rPr>
-              <a:t>在注册时将每个不同的用户名及其密码存入数据库，在登录的时候检测输入的用户名和密码是否匹配，登录成功后进入用户</a:t>
+              <a:t>作为游客，我想通过输入正确的用户名和密码进行登录，以便于能够查看自己收藏的文献和</a:t>
             </a:r>
             <a:r>
               <a:rPr lang="zh-CN" altLang="en-US" sz="1600" dirty="0">
@@ -8629,7 +8515,7 @@
                 <a:latin typeface="思源黑体 CN ExtraLight" charset="-122"/>
                 <a:ea typeface="思源黑体 CN ExtraLight" charset="-122"/>
               </a:rPr>
-              <a:t>模式。</a:t>
+              <a:t>作者。</a:t>
             </a:r>
             <a:endParaRPr lang="zh-CN" altLang="en-US" sz="1600" dirty="0">
               <a:solidFill>
@@ -8731,6 +8617,335 @@
 </file>
 
 <file path=ppt/slides/slide13.xml><?xml version="1.0" encoding="utf-8"?>
+<p:sld xmlns:a="http://schemas.openxmlformats.org/drawingml/2006/main" xmlns:r="http://schemas.openxmlformats.org/officeDocument/2006/relationships" xmlns:p="http://schemas.openxmlformats.org/presentationml/2006/main">
+  <p:cSld>
+    <p:spTree>
+      <p:nvGrpSpPr>
+        <p:cNvPr id="1" name=""/>
+        <p:cNvGrpSpPr/>
+        <p:nvPr/>
+      </p:nvGrpSpPr>
+      <p:grpSpPr>
+        <a:xfrm>
+          <a:off x="0" y="0"/>
+          <a:ext cx="0" cy="0"/>
+          <a:chOff x="0" y="0"/>
+          <a:chExt cx="0" cy="0"/>
+        </a:xfrm>
+      </p:grpSpPr>
+      <p:sp>
+        <p:nvSpPr>
+          <p:cNvPr id="8" name="文本框 7"/>
+          <p:cNvSpPr txBox="1"/>
+          <p:nvPr userDrawn="1">
+            <p:custDataLst>
+              <p:tags r:id="rId1"/>
+            </p:custDataLst>
+          </p:nvPr>
+        </p:nvSpPr>
+        <p:spPr>
+          <a:xfrm>
+            <a:off x="1203960" y="281305"/>
+            <a:ext cx="4610735" cy="521970"/>
+          </a:xfrm>
+          <a:prstGeom prst="rect">
+            <a:avLst/>
+          </a:prstGeom>
+          <a:noFill/>
+        </p:spPr>
+        <p:txBody>
+          <a:bodyPr wrap="square" rtlCol="0" anchor="t">
+            <a:spAutoFit/>
+          </a:bodyPr>
+          <a:lstStyle/>
+          <a:p>
+            <a:pPr indent="0" algn="l" defTabSz="965835">
+              <a:buFont typeface="Wingdings" panose="05000000000000000000" pitchFamily="2" charset="2"/>
+              <a:buNone/>
+              <a:defRPr/>
+            </a:pPr>
+            <a:r>
+              <a:rPr lang="zh-CN" altLang="en-US" sz="2800" kern="0" dirty="0">
+                <a:solidFill>
+                  <a:srgbClr val="2C608B"/>
+                </a:solidFill>
+                <a:latin typeface="思源黑体 CN Normal" charset="-122"/>
+                <a:ea typeface="思源黑体 CN Normal" charset="-122"/>
+                <a:cs typeface="方正清刻本悦宋简体" charset="-122"/>
+                <a:sym typeface="微软雅黑" panose="020B0503020204020204" pitchFamily="34" charset="-122"/>
+              </a:rPr>
+              <a:t>游客登录</a:t>
+            </a:r>
+            <a:endParaRPr lang="zh-CN" altLang="en-US" sz="2800" kern="0" dirty="0">
+              <a:solidFill>
+                <a:srgbClr val="2C608B"/>
+              </a:solidFill>
+              <a:latin typeface="思源黑体 CN Normal" charset="-122"/>
+              <a:ea typeface="思源黑体 CN Normal" charset="-122"/>
+              <a:cs typeface="方正清刻本悦宋简体" charset="-122"/>
+              <a:sym typeface="微软雅黑" panose="020B0503020204020204" pitchFamily="34" charset="-122"/>
+            </a:endParaRPr>
+          </a:p>
+        </p:txBody>
+      </p:sp>
+      <p:sp>
+        <p:nvSpPr>
+          <p:cNvPr id="2" name="文本框"/>
+          <p:cNvSpPr txBox="1"/>
+          <p:nvPr>
+            <p:custDataLst>
+              <p:tags r:id="rId2"/>
+            </p:custDataLst>
+          </p:nvPr>
+        </p:nvSpPr>
+        <p:spPr>
+          <a:xfrm>
+            <a:off x="1203960" y="1689735"/>
+            <a:ext cx="4425950" cy="706755"/>
+          </a:xfrm>
+          <a:prstGeom prst="rect">
+            <a:avLst/>
+          </a:prstGeom>
+          <a:noFill/>
+        </p:spPr>
+        <p:txBody>
+          <a:bodyPr vert="horz" wrap="square" rtlCol="0">
+            <a:spAutoFit/>
+          </a:bodyPr>
+          <a:lstStyle/>
+          <a:p>
+            <a:pPr indent="0" algn="l">
+              <a:buNone/>
+            </a:pPr>
+            <a:r>
+              <a:rPr lang="zh-CN" altLang="en-US" sz="2000" dirty="0">
+                <a:solidFill>
+                  <a:schemeClr val="tx1">
+                    <a:lumMod val="75000"/>
+                    <a:lumOff val="25000"/>
+                  </a:schemeClr>
+                </a:solidFill>
+                <a:effectLst/>
+                <a:latin typeface="思源黑体 CN Normal" charset="-122"/>
+                <a:ea typeface="思源黑体 CN Normal" charset="-122"/>
+              </a:rPr>
+              <a:t>用户可以在</a:t>
+            </a:r>
+            <a:r>
+              <a:rPr lang="en-US" altLang="zh-CN" sz="2000" dirty="0">
+                <a:solidFill>
+                  <a:schemeClr val="tx1">
+                    <a:lumMod val="75000"/>
+                    <a:lumOff val="25000"/>
+                  </a:schemeClr>
+                </a:solidFill>
+                <a:effectLst/>
+                <a:latin typeface="思源黑体 CN Normal" charset="-122"/>
+                <a:ea typeface="思源黑体 CN Normal" charset="-122"/>
+              </a:rPr>
+              <a:t>Web</a:t>
+            </a:r>
+            <a:r>
+              <a:rPr lang="zh-CN" altLang="en-US" sz="2000" dirty="0">
+                <a:solidFill>
+                  <a:schemeClr val="tx1">
+                    <a:lumMod val="75000"/>
+                    <a:lumOff val="25000"/>
+                  </a:schemeClr>
+                </a:solidFill>
+                <a:effectLst/>
+                <a:latin typeface="思源黑体 CN Normal" charset="-122"/>
+                <a:ea typeface="思源黑体 CN Normal" charset="-122"/>
+              </a:rPr>
+              <a:t>前端进行个人账号的注册和</a:t>
+            </a:r>
+            <a:r>
+              <a:rPr lang="zh-CN" altLang="en-US" sz="2000" dirty="0">
+                <a:solidFill>
+                  <a:schemeClr val="tx1">
+                    <a:lumMod val="75000"/>
+                    <a:lumOff val="25000"/>
+                  </a:schemeClr>
+                </a:solidFill>
+                <a:effectLst/>
+                <a:latin typeface="思源黑体 CN Normal" charset="-122"/>
+                <a:ea typeface="思源黑体 CN Normal" charset="-122"/>
+              </a:rPr>
+              <a:t>登录。</a:t>
+            </a:r>
+            <a:endParaRPr lang="zh-CN" altLang="en-US" sz="2000" dirty="0">
+              <a:solidFill>
+                <a:schemeClr val="tx1">
+                  <a:lumMod val="75000"/>
+                  <a:lumOff val="25000"/>
+                </a:schemeClr>
+              </a:solidFill>
+              <a:effectLst/>
+              <a:latin typeface="思源黑体 CN Normal" charset="-122"/>
+              <a:ea typeface="思源黑体 CN Normal" charset="-122"/>
+            </a:endParaRPr>
+          </a:p>
+        </p:txBody>
+      </p:sp>
+      <p:sp>
+        <p:nvSpPr>
+          <p:cNvPr id="10" name="文本框 9"/>
+          <p:cNvSpPr txBox="1"/>
+          <p:nvPr userDrawn="1">
+            <p:custDataLst>
+              <p:tags r:id="rId3"/>
+            </p:custDataLst>
+          </p:nvPr>
+        </p:nvSpPr>
+        <p:spPr>
+          <a:xfrm>
+            <a:off x="1203960" y="2600960"/>
+            <a:ext cx="3957955" cy="3048000"/>
+          </a:xfrm>
+          <a:prstGeom prst="rect">
+            <a:avLst/>
+          </a:prstGeom>
+          <a:noFill/>
+        </p:spPr>
+        <p:txBody>
+          <a:bodyPr vert="horz" wrap="square" rtlCol="0">
+            <a:noAutofit/>
+          </a:bodyPr>
+          <a:lstStyle/>
+          <a:p>
+            <a:pPr indent="0" algn="l">
+              <a:lnSpc>
+                <a:spcPct val="200000"/>
+              </a:lnSpc>
+              <a:buFont typeface="Arial" panose="020B0604020202020204" pitchFamily="34" charset="0"/>
+              <a:buNone/>
+            </a:pPr>
+            <a:r>
+              <a:rPr lang="zh-CN" altLang="en-US" sz="1600" dirty="0">
+                <a:solidFill>
+                  <a:schemeClr val="tx1">
+                    <a:lumMod val="75000"/>
+                    <a:lumOff val="25000"/>
+                  </a:schemeClr>
+                </a:solidFill>
+                <a:latin typeface="思源黑体 CN ExtraLight" charset="-122"/>
+                <a:ea typeface="思源黑体 CN ExtraLight" charset="-122"/>
+              </a:rPr>
+              <a:t>作为游客，我想通过输入正确的手机号和邮箱注册成为平台用户，以便于解锁对于论文和作者的收藏</a:t>
+            </a:r>
+            <a:r>
+              <a:rPr lang="zh-CN" altLang="en-US" sz="1600" dirty="0">
+                <a:solidFill>
+                  <a:schemeClr val="tx1">
+                    <a:lumMod val="75000"/>
+                    <a:lumOff val="25000"/>
+                  </a:schemeClr>
+                </a:solidFill>
+                <a:latin typeface="思源黑体 CN ExtraLight" charset="-122"/>
+                <a:ea typeface="思源黑体 CN ExtraLight" charset="-122"/>
+              </a:rPr>
+              <a:t>功能。</a:t>
+            </a:r>
+            <a:endParaRPr lang="zh-CN" altLang="en-US" sz="1600" dirty="0">
+              <a:solidFill>
+                <a:schemeClr val="tx1">
+                  <a:lumMod val="75000"/>
+                  <a:lumOff val="25000"/>
+                </a:schemeClr>
+              </a:solidFill>
+              <a:latin typeface="思源黑体 CN ExtraLight" charset="-122"/>
+              <a:ea typeface="思源黑体 CN ExtraLight" charset="-122"/>
+            </a:endParaRPr>
+          </a:p>
+        </p:txBody>
+      </p:sp>
+      <p:pic>
+        <p:nvPicPr>
+          <p:cNvPr id="3" name="图片 2" descr="注册登录 流程图"/>
+          <p:cNvPicPr>
+            <a:picLocks noChangeAspect="1"/>
+          </p:cNvPicPr>
+          <p:nvPr/>
+        </p:nvPicPr>
+        <p:blipFill>
+          <a:blip r:embed="rId4"/>
+          <a:stretch>
+            <a:fillRect/>
+          </a:stretch>
+        </p:blipFill>
+        <p:spPr>
+          <a:xfrm>
+            <a:off x="6096000" y="686435"/>
+            <a:ext cx="5333365" cy="5268595"/>
+          </a:xfrm>
+          <a:prstGeom prst="rect">
+            <a:avLst/>
+          </a:prstGeom>
+        </p:spPr>
+      </p:pic>
+      <p:sp>
+        <p:nvSpPr>
+          <p:cNvPr id="9" name="矩形 8"/>
+          <p:cNvSpPr/>
+          <p:nvPr>
+            <p:custDataLst>
+              <p:tags r:id="rId5"/>
+            </p:custDataLst>
+          </p:nvPr>
+        </p:nvSpPr>
+        <p:spPr>
+          <a:xfrm>
+            <a:off x="905509" y="1737172"/>
+            <a:ext cx="298450" cy="298450"/>
+          </a:xfrm>
+          <a:prstGeom prst="rect">
+            <a:avLst/>
+          </a:prstGeom>
+          <a:solidFill>
+            <a:srgbClr val="2C608B"/>
+          </a:solidFill>
+          <a:ln>
+            <a:noFill/>
+          </a:ln>
+          <a:effectLst/>
+        </p:spPr>
+        <p:style>
+          <a:lnRef idx="2">
+            <a:schemeClr val="accent1">
+              <a:shade val="50000"/>
+            </a:schemeClr>
+          </a:lnRef>
+          <a:fillRef idx="1">
+            <a:schemeClr val="accent1"/>
+          </a:fillRef>
+          <a:effectRef idx="0">
+            <a:schemeClr val="accent1"/>
+          </a:effectRef>
+          <a:fontRef idx="minor">
+            <a:schemeClr val="lt1"/>
+          </a:fontRef>
+        </p:style>
+        <p:txBody>
+          <a:bodyPr rtlCol="0" anchor="ctr"/>
+          <a:lstStyle/>
+          <a:p>
+            <a:pPr algn="ctr"/>
+            <a:endParaRPr lang="zh-CN" altLang="en-US"/>
+          </a:p>
+        </p:txBody>
+      </p:sp>
+    </p:spTree>
+    <p:custDataLst>
+      <p:tags r:id="rId6"/>
+    </p:custDataLst>
+  </p:cSld>
+  <p:clrMapOvr>
+    <a:masterClrMapping/>
+  </p:clrMapOvr>
+</p:sld>
+</file>
+
+<file path=ppt/slides/slide14.xml><?xml version="1.0" encoding="utf-8"?>
 <p:sld xmlns:a="http://schemas.openxmlformats.org/drawingml/2006/main" xmlns:r="http://schemas.openxmlformats.org/officeDocument/2006/relationships" xmlns:p="http://schemas.openxmlformats.org/presentationml/2006/main">
   <p:cSld>
     <p:spTree>
@@ -13998,216 +14213,9 @@
                 </a:solidFill>
                 <a:latin typeface="思源黑体 CN ExtraLight" charset="-122"/>
                 <a:ea typeface="思源黑体 CN ExtraLight" charset="-122"/>
-              </a:rPr>
-              <a:t>用户</a:t>
-            </a:r>
-            <a:r>
-              <a:rPr lang="en-US" altLang="zh-CN" sz="1600" dirty="0">
-                <a:solidFill>
-                  <a:schemeClr val="tx1">
-                    <a:lumMod val="75000"/>
-                    <a:lumOff val="25000"/>
-                  </a:schemeClr>
-                </a:solidFill>
-                <a:latin typeface="思源黑体 CN ExtraLight" charset="-122"/>
-                <a:ea typeface="思源黑体 CN ExtraLight" charset="-122"/>
-              </a:rPr>
-              <a:t>/</a:t>
-            </a:r>
-            <a:r>
-              <a:rPr lang="zh-CN" altLang="en-US" sz="1600" dirty="0">
-                <a:solidFill>
-                  <a:schemeClr val="tx1">
-                    <a:lumMod val="75000"/>
-                    <a:lumOff val="25000"/>
-                  </a:schemeClr>
-                </a:solidFill>
-                <a:latin typeface="思源黑体 CN ExtraLight" charset="-122"/>
-                <a:ea typeface="思源黑体 CN ExtraLight" charset="-122"/>
-              </a:rPr>
-              <a:t>游客在</a:t>
-            </a:r>
-            <a:r>
-              <a:rPr lang="en-US" altLang="zh-CN" sz="1600" dirty="0">
-                <a:solidFill>
-                  <a:schemeClr val="tx1">
-                    <a:lumMod val="75000"/>
-                    <a:lumOff val="25000"/>
-                  </a:schemeClr>
-                </a:solidFill>
-                <a:latin typeface="思源黑体 CN ExtraLight" charset="-122"/>
-                <a:ea typeface="思源黑体 CN ExtraLight" charset="-122"/>
-              </a:rPr>
-              <a:t>Web</a:t>
-            </a:r>
-            <a:r>
-              <a:rPr lang="zh-CN" altLang="en-US" sz="1600" dirty="0">
-                <a:solidFill>
-                  <a:schemeClr val="tx1">
-                    <a:lumMod val="75000"/>
-                    <a:lumOff val="25000"/>
-                  </a:schemeClr>
-                </a:solidFill>
-                <a:latin typeface="思源黑体 CN ExtraLight" charset="-122"/>
-                <a:ea typeface="思源黑体 CN ExtraLight" charset="-122"/>
-              </a:rPr>
-              <a:t>前端输入关键词后，</a:t>
-            </a:r>
-            <a:r>
-              <a:rPr lang="en-US" altLang="zh-CN" sz="1600" dirty="0">
-                <a:solidFill>
-                  <a:schemeClr val="tx1">
-                    <a:lumMod val="75000"/>
-                    <a:lumOff val="25000"/>
-                  </a:schemeClr>
-                </a:solidFill>
-                <a:latin typeface="思源黑体 CN ExtraLight" charset="-122"/>
-                <a:ea typeface="思源黑体 CN ExtraLight" charset="-122"/>
-              </a:rPr>
-              <a:t>Web</a:t>
-            </a:r>
-            <a:r>
-              <a:rPr lang="zh-CN" altLang="en-US" sz="1600" dirty="0">
-                <a:solidFill>
-                  <a:schemeClr val="tx1">
-                    <a:lumMod val="75000"/>
-                    <a:lumOff val="25000"/>
-                  </a:schemeClr>
-                </a:solidFill>
-                <a:latin typeface="思源黑体 CN ExtraLight" charset="-122"/>
-                <a:ea typeface="思源黑体 CN ExtraLight" charset="-122"/>
-              </a:rPr>
-              <a:t>前端将关键词传到后端，后端通过</a:t>
-            </a:r>
-            <a:r>
-              <a:rPr lang="en-US" altLang="zh-CN" sz="1600" dirty="0">
-                <a:solidFill>
-                  <a:schemeClr val="tx1">
-                    <a:lumMod val="75000"/>
-                    <a:lumOff val="25000"/>
-                  </a:schemeClr>
-                </a:solidFill>
-                <a:latin typeface="思源黑体 CN ExtraLight" charset="-122"/>
-                <a:ea typeface="思源黑体 CN ExtraLight" charset="-122"/>
-              </a:rPr>
-              <a:t>Pymongo</a:t>
-            </a:r>
-            <a:r>
-              <a:rPr lang="zh-CN" altLang="en-US" sz="1600" dirty="0">
-                <a:solidFill>
-                  <a:schemeClr val="tx1">
-                    <a:lumMod val="75000"/>
-                    <a:lumOff val="25000"/>
-                  </a:schemeClr>
-                </a:solidFill>
-                <a:latin typeface="思源黑体 CN ExtraLight" charset="-122"/>
-                <a:ea typeface="思源黑体 CN ExtraLight" charset="-122"/>
-              </a:rPr>
-              <a:t>与</a:t>
-            </a:r>
-            <a:r>
-              <a:rPr lang="en-US" altLang="zh-CN" sz="1600" dirty="0">
-                <a:solidFill>
-                  <a:schemeClr val="tx1">
-                    <a:lumMod val="75000"/>
-                    <a:lumOff val="25000"/>
-                  </a:schemeClr>
-                </a:solidFill>
-                <a:latin typeface="思源黑体 CN ExtraLight" charset="-122"/>
-                <a:ea typeface="思源黑体 CN ExtraLight" charset="-122"/>
-              </a:rPr>
-              <a:t>MongoDB</a:t>
-            </a:r>
-            <a:r>
-              <a:rPr lang="zh-CN" altLang="en-US" sz="1600" dirty="0">
-                <a:solidFill>
-                  <a:schemeClr val="tx1">
-                    <a:lumMod val="75000"/>
-                    <a:lumOff val="25000"/>
-                  </a:schemeClr>
-                </a:solidFill>
-                <a:latin typeface="思源黑体 CN ExtraLight" charset="-122"/>
-                <a:ea typeface="思源黑体 CN ExtraLight" charset="-122"/>
-              </a:rPr>
-              <a:t>交互后，将查询到的结果以</a:t>
-            </a:r>
-            <a:r>
-              <a:rPr lang="en-US" altLang="zh-CN" sz="1600" dirty="0">
-                <a:solidFill>
-                  <a:schemeClr val="tx1">
-                    <a:lumMod val="75000"/>
-                    <a:lumOff val="25000"/>
-                  </a:schemeClr>
-                </a:solidFill>
-                <a:latin typeface="思源黑体 CN ExtraLight" charset="-122"/>
-                <a:ea typeface="思源黑体 CN ExtraLight" charset="-122"/>
-              </a:rPr>
-              <a:t>json</a:t>
-            </a:r>
-            <a:r>
-              <a:rPr lang="zh-CN" altLang="en-US" sz="1600" dirty="0">
-                <a:solidFill>
-                  <a:schemeClr val="tx1">
-                    <a:lumMod val="75000"/>
-                    <a:lumOff val="25000"/>
-                  </a:schemeClr>
-                </a:solidFill>
-                <a:latin typeface="思源黑体 CN ExtraLight" charset="-122"/>
-                <a:ea typeface="思源黑体 CN ExtraLight" charset="-122"/>
-              </a:rPr>
-              <a:t>文件的形式传回，后端对于数据进行一定处理后传输回到前端，</a:t>
-            </a:r>
-            <a:r>
-              <a:rPr lang="en-US" altLang="zh-CN" sz="1600" dirty="0">
-                <a:solidFill>
-                  <a:schemeClr val="tx1">
-                    <a:lumMod val="75000"/>
-                    <a:lumOff val="25000"/>
-                  </a:schemeClr>
-                </a:solidFill>
-                <a:latin typeface="思源黑体 CN ExtraLight" charset="-122"/>
-                <a:ea typeface="思源黑体 CN ExtraLight" charset="-122"/>
-              </a:rPr>
-              <a:t>Vue</a:t>
-            </a:r>
-            <a:r>
-              <a:rPr lang="zh-CN" altLang="en-US" sz="1600" dirty="0">
-                <a:solidFill>
-                  <a:schemeClr val="tx1">
-                    <a:lumMod val="75000"/>
-                    <a:lumOff val="25000"/>
-                  </a:schemeClr>
-                </a:solidFill>
-                <a:latin typeface="思源黑体 CN ExtraLight" charset="-122"/>
-                <a:ea typeface="思源黑体 CN ExtraLight" charset="-122"/>
-              </a:rPr>
-              <a:t>前端通过实时渲染在</a:t>
-            </a:r>
-            <a:r>
-              <a:rPr lang="en-US" altLang="zh-CN" sz="1600" dirty="0">
-                <a:solidFill>
-                  <a:schemeClr val="tx1">
-                    <a:lumMod val="75000"/>
-                    <a:lumOff val="25000"/>
-                  </a:schemeClr>
-                </a:solidFill>
-                <a:latin typeface="思源黑体 CN ExtraLight" charset="-122"/>
-                <a:ea typeface="思源黑体 CN ExtraLight" charset="-122"/>
-              </a:rPr>
-              <a:t>Web</a:t>
-            </a:r>
-            <a:r>
-              <a:rPr lang="zh-CN" altLang="en-US" sz="1600" dirty="0">
-                <a:solidFill>
-                  <a:schemeClr val="tx1">
-                    <a:lumMod val="75000"/>
-                    <a:lumOff val="25000"/>
-                  </a:schemeClr>
-                </a:solidFill>
-                <a:latin typeface="思源黑体 CN ExtraLight" charset="-122"/>
-                <a:ea typeface="思源黑体 CN ExtraLight" charset="-122"/>
-              </a:rPr>
-              <a:t>上显示查询结果。</a:t>
+                <a:sym typeface="+mn-ea"/>
+              </a:rPr>
+              <a:t>作为用户，我想通过输入关键词，在平台上对于各类文献、论文进行搜索。以便找到自己需要的论文和资料，满足自己的需求。</a:t>
             </a:r>
             <a:endParaRPr lang="zh-CN" altLang="en-US" sz="1600" dirty="0">
               <a:solidFill>
@@ -14821,6 +14829,38 @@
 </file>
 
 <file path=ppt/tags/tag81.xml><?xml version="1.0" encoding="utf-8"?>
+<p:tagLst xmlns:p="http://schemas.openxmlformats.org/presentationml/2006/main">
+  <p:tag name="KSO_WM_BEAUTIFY_FLAG" val=""/>
+</p:tagLst>
+</file>
+
+<file path=ppt/tags/tag82.xml><?xml version="1.0" encoding="utf-8"?>
+<p:tagLst xmlns:p="http://schemas.openxmlformats.org/presentationml/2006/main">
+  <p:tag name="KSO_WM_BEAUTIFY_FLAG" val=""/>
+</p:tagLst>
+</file>
+
+<file path=ppt/tags/tag83.xml><?xml version="1.0" encoding="utf-8"?>
+<p:tagLst xmlns:p="http://schemas.openxmlformats.org/presentationml/2006/main">
+  <p:tag name="KSO_WM_BEAUTIFY_FLAG" val=""/>
+</p:tagLst>
+</file>
+
+<file path=ppt/tags/tag84.xml><?xml version="1.0" encoding="utf-8"?>
+<p:tagLst xmlns:p="http://schemas.openxmlformats.org/presentationml/2006/main">
+  <p:tag name="KSO_WM_BEAUTIFY_FLAG" val=""/>
+</p:tagLst>
+</file>
+
+<file path=ppt/tags/tag85.xml><?xml version="1.0" encoding="utf-8"?>
+<p:tagLst xmlns:p="http://schemas.openxmlformats.org/presentationml/2006/main">
+  <p:tag name="KSO_WM_BEAUTIFY_FLAG" val="#wm#"/>
+  <p:tag name="KSO_WM_TEMPLATE_CATEGORY" val="custom"/>
+  <p:tag name="KSO_WM_TEMPLATE_INDEX" val="20205081"/>
+</p:tagLst>
+</file>
+
+<file path=ppt/tags/tag86.xml><?xml version="1.0" encoding="utf-8"?>
 <p:tagLst xmlns:p="http://schemas.openxmlformats.org/presentationml/2006/main">
   <p:tag name="COMMONDATA" val="eyJoZGlkIjoiZTMxNTVhYjEzYjYyMWEwZmFjZDg1ZTJiMDUyNzRiYzgifQ=="/>
 </p:tagLst>

--- a/doc/问题陈述.pptx
+++ b/doc/问题陈述.pptx
@@ -265,7 +265,7 @@
           <a:p>
             <a:fld id="{82B5985A-88B9-4D81-BC85-6D6EE48AA7E7}" type="datetimeFigureOut">
               <a:rPr lang="zh-CN" altLang="en-US" smtClean="0"/>
-              <a:t>2023/9/17</a:t>
+              <a:t>2023/9/19</a:t>
             </a:fld>
             <a:endParaRPr lang="zh-CN" altLang="en-US"/>
           </a:p>
@@ -428,7 +428,7 @@
           <a:p>
             <a:fld id="{82B5985A-88B9-4D81-BC85-6D6EE48AA7E7}" type="datetimeFigureOut">
               <a:rPr lang="zh-CN" altLang="en-US" smtClean="0"/>
-              <a:t>2023/9/17</a:t>
+              <a:t>2023/9/19</a:t>
             </a:fld>
             <a:endParaRPr lang="zh-CN" altLang="en-US"/>
           </a:p>
@@ -601,7 +601,7 @@
           <a:p>
             <a:fld id="{82B5985A-88B9-4D81-BC85-6D6EE48AA7E7}" type="datetimeFigureOut">
               <a:rPr lang="zh-CN" altLang="en-US" smtClean="0"/>
-              <a:t>2023/9/17</a:t>
+              <a:t>2023/9/19</a:t>
             </a:fld>
             <a:endParaRPr lang="zh-CN" altLang="en-US"/>
           </a:p>
@@ -1609,7 +1609,7 @@
           <a:p>
             <a:fld id="{82B5985A-88B9-4D81-BC85-6D6EE48AA7E7}" type="datetimeFigureOut">
               <a:rPr lang="zh-CN" altLang="en-US" smtClean="0"/>
-              <a:t>2023/9/17</a:t>
+              <a:t>2023/9/19</a:t>
             </a:fld>
             <a:endParaRPr lang="zh-CN" altLang="en-US"/>
           </a:p>
@@ -1772,7 +1772,7 @@
           <a:p>
             <a:fld id="{82B5985A-88B9-4D81-BC85-6D6EE48AA7E7}" type="datetimeFigureOut">
               <a:rPr lang="zh-CN" altLang="en-US" smtClean="0"/>
-              <a:t>2023/9/17</a:t>
+              <a:t>2023/9/19</a:t>
             </a:fld>
             <a:endParaRPr lang="zh-CN" altLang="en-US"/>
           </a:p>
@@ -2012,7 +2012,7 @@
           <a:p>
             <a:fld id="{82B5985A-88B9-4D81-BC85-6D6EE48AA7E7}" type="datetimeFigureOut">
               <a:rPr lang="zh-CN" altLang="en-US" smtClean="0"/>
-              <a:t>2023/9/17</a:t>
+              <a:t>2023/9/19</a:t>
             </a:fld>
             <a:endParaRPr lang="zh-CN" altLang="en-US"/>
           </a:p>
@@ -2236,7 +2236,7 @@
           <a:p>
             <a:fld id="{82B5985A-88B9-4D81-BC85-6D6EE48AA7E7}" type="datetimeFigureOut">
               <a:rPr lang="zh-CN" altLang="en-US" smtClean="0"/>
-              <a:t>2023/9/17</a:t>
+              <a:t>2023/9/19</a:t>
             </a:fld>
             <a:endParaRPr lang="zh-CN" altLang="en-US"/>
           </a:p>
@@ -2595,7 +2595,7 @@
           <a:p>
             <a:fld id="{82B5985A-88B9-4D81-BC85-6D6EE48AA7E7}" type="datetimeFigureOut">
               <a:rPr lang="zh-CN" altLang="en-US" smtClean="0"/>
-              <a:t>2023/9/17</a:t>
+              <a:t>2023/9/19</a:t>
             </a:fld>
             <a:endParaRPr lang="zh-CN" altLang="en-US"/>
           </a:p>
@@ -2758,7 +2758,7 @@
           <a:p>
             <a:fld id="{82B5985A-88B9-4D81-BC85-6D6EE48AA7E7}" type="datetimeFigureOut">
               <a:rPr lang="zh-CN" altLang="en-US" smtClean="0"/>
-              <a:t>2023/9/17</a:t>
+              <a:t>2023/9/19</a:t>
             </a:fld>
             <a:endParaRPr lang="zh-CN" altLang="en-US"/>
           </a:p>
@@ -2870,7 +2870,7 @@
           <a:p>
             <a:fld id="{82B5985A-88B9-4D81-BC85-6D6EE48AA7E7}" type="datetimeFigureOut">
               <a:rPr lang="zh-CN" altLang="en-US" smtClean="0"/>
-              <a:t>2023/9/17</a:t>
+              <a:t>2023/9/19</a:t>
             </a:fld>
             <a:endParaRPr lang="zh-CN" altLang="en-US"/>
           </a:p>
@@ -2960,7 +2960,7 @@
           <a:p>
             <a:fld id="{82B5985A-88B9-4D81-BC85-6D6EE48AA7E7}" type="datetimeFigureOut">
               <a:rPr lang="zh-CN" altLang="en-US" smtClean="0"/>
-              <a:t>2023/9/17</a:t>
+              <a:t>2023/9/19</a:t>
             </a:fld>
             <a:endParaRPr lang="zh-CN" altLang="en-US"/>
           </a:p>
@@ -3230,7 +3230,7 @@
           <a:p>
             <a:fld id="{82B5985A-88B9-4D81-BC85-6D6EE48AA7E7}" type="datetimeFigureOut">
               <a:rPr lang="zh-CN" altLang="en-US" smtClean="0"/>
-              <a:t>2023/9/17</a:t>
+              <a:t>2023/9/19</a:t>
             </a:fld>
             <a:endParaRPr lang="zh-CN" altLang="en-US"/>
           </a:p>
@@ -3477,7 +3477,7 @@
           <a:p>
             <a:fld id="{82B5985A-88B9-4D81-BC85-6D6EE48AA7E7}" type="datetimeFigureOut">
               <a:rPr lang="zh-CN" altLang="en-US" smtClean="0"/>
-              <a:t>2023/9/17</a:t>
+              <a:t>2023/9/19</a:t>
             </a:fld>
             <a:endParaRPr lang="zh-CN" altLang="en-US"/>
           </a:p>
@@ -3640,7 +3640,7 @@
           <a:p>
             <a:fld id="{82B5985A-88B9-4D81-BC85-6D6EE48AA7E7}" type="datetimeFigureOut">
               <a:rPr lang="zh-CN" altLang="en-US" smtClean="0"/>
-              <a:t>2023/9/17</a:t>
+              <a:t>2023/9/19</a:t>
             </a:fld>
             <a:endParaRPr lang="zh-CN" altLang="en-US"/>
           </a:p>
@@ -3813,7 +3813,7 @@
           <a:p>
             <a:fld id="{82B5985A-88B9-4D81-BC85-6D6EE48AA7E7}" type="datetimeFigureOut">
               <a:rPr lang="zh-CN" altLang="en-US" smtClean="0"/>
-              <a:t>2023/9/17</a:t>
+              <a:t>2023/9/19</a:t>
             </a:fld>
             <a:endParaRPr lang="zh-CN" altLang="en-US"/>
           </a:p>
@@ -4876,7 +4876,7 @@
           <a:p>
             <a:fld id="{82B5985A-88B9-4D81-BC85-6D6EE48AA7E7}" type="datetimeFigureOut">
               <a:rPr lang="zh-CN" altLang="en-US" smtClean="0"/>
-              <a:t>2023/9/17</a:t>
+              <a:t>2023/9/19</a:t>
             </a:fld>
             <a:endParaRPr lang="zh-CN" altLang="en-US"/>
           </a:p>
@@ -5100,7 +5100,7 @@
           <a:p>
             <a:fld id="{82B5985A-88B9-4D81-BC85-6D6EE48AA7E7}" type="datetimeFigureOut">
               <a:rPr lang="zh-CN" altLang="en-US" smtClean="0"/>
-              <a:t>2023/9/17</a:t>
+              <a:t>2023/9/19</a:t>
             </a:fld>
             <a:endParaRPr lang="zh-CN" altLang="en-US"/>
           </a:p>
@@ -5459,7 +5459,7 @@
           <a:p>
             <a:fld id="{82B5985A-88B9-4D81-BC85-6D6EE48AA7E7}" type="datetimeFigureOut">
               <a:rPr lang="zh-CN" altLang="en-US" smtClean="0"/>
-              <a:t>2023/9/17</a:t>
+              <a:t>2023/9/19</a:t>
             </a:fld>
             <a:endParaRPr lang="zh-CN" altLang="en-US"/>
           </a:p>
@@ -5571,7 +5571,7 @@
           <a:p>
             <a:fld id="{82B5985A-88B9-4D81-BC85-6D6EE48AA7E7}" type="datetimeFigureOut">
               <a:rPr lang="zh-CN" altLang="en-US" smtClean="0"/>
-              <a:t>2023/9/17</a:t>
+              <a:t>2023/9/19</a:t>
             </a:fld>
             <a:endParaRPr lang="zh-CN" altLang="en-US"/>
           </a:p>
@@ -5661,7 +5661,7 @@
           <a:p>
             <a:fld id="{82B5985A-88B9-4D81-BC85-6D6EE48AA7E7}" type="datetimeFigureOut">
               <a:rPr lang="zh-CN" altLang="en-US" smtClean="0"/>
-              <a:t>2023/9/17</a:t>
+              <a:t>2023/9/19</a:t>
             </a:fld>
             <a:endParaRPr lang="zh-CN" altLang="en-US"/>
           </a:p>
@@ -5931,7 +5931,7 @@
           <a:p>
             <a:fld id="{82B5985A-88B9-4D81-BC85-6D6EE48AA7E7}" type="datetimeFigureOut">
               <a:rPr lang="zh-CN" altLang="en-US" smtClean="0"/>
-              <a:t>2023/9/17</a:t>
+              <a:t>2023/9/19</a:t>
             </a:fld>
             <a:endParaRPr lang="zh-CN" altLang="en-US"/>
           </a:p>
@@ -6178,7 +6178,7 @@
           <a:p>
             <a:fld id="{82B5985A-88B9-4D81-BC85-6D6EE48AA7E7}" type="datetimeFigureOut">
               <a:rPr lang="zh-CN" altLang="en-US" smtClean="0"/>
-              <a:t>2023/9/17</a:t>
+              <a:t>2023/9/19</a:t>
             </a:fld>
             <a:endParaRPr lang="zh-CN" altLang="en-US"/>
           </a:p>
@@ -6384,7 +6384,7 @@
           <a:p>
             <a:fld id="{82B5985A-88B9-4D81-BC85-6D6EE48AA7E7}" type="datetimeFigureOut">
               <a:rPr lang="zh-CN" altLang="en-US" smtClean="0"/>
-              <a:t>2023/9/17</a:t>
+              <a:t>2023/9/19</a:t>
             </a:fld>
             <a:endParaRPr lang="zh-CN" altLang="en-US"/>
           </a:p>
@@ -6920,7 +6920,7 @@
           <a:p>
             <a:fld id="{82B5985A-88B9-4D81-BC85-6D6EE48AA7E7}" type="datetimeFigureOut">
               <a:rPr lang="zh-CN" altLang="en-US" smtClean="0"/>
-              <a:t>2023/9/17</a:t>
+              <a:t>2023/9/19</a:t>
             </a:fld>
             <a:endParaRPr lang="zh-CN" altLang="en-US"/>
           </a:p>
@@ -12091,7 +12091,7 @@
         </p:nvSpPr>
         <p:spPr>
           <a:xfrm>
-            <a:off x="1970921" y="4146550"/>
+            <a:off x="1970921" y="4127888"/>
             <a:ext cx="5108575" cy="311785"/>
           </a:xfrm>
           <a:prstGeom prst="rect">
@@ -12174,7 +12174,7 @@
         </p:nvSpPr>
         <p:spPr>
           <a:xfrm>
-            <a:off x="1970921" y="4764317"/>
+            <a:off x="1970921" y="4689672"/>
             <a:ext cx="4533265" cy="398780"/>
           </a:xfrm>
           <a:prstGeom prst="rect">
@@ -12189,7 +12189,7 @@
           <a:lstStyle/>
           <a:p>
             <a:r>
-              <a:rPr lang="zh-CN" altLang="en-US" sz="2000">
+              <a:rPr lang="zh-CN" altLang="en-US" sz="2000" dirty="0">
                 <a:latin typeface="宋体" panose="02010600030101010101" pitchFamily="2" charset="-122"/>
                 <a:ea typeface="宋体" panose="02010600030101010101" pitchFamily="2" charset="-122"/>
               </a:rPr>
